--- a/MySQL整理/23MySQL是怎么保证数据不丢的？.pptx
+++ b/MySQL整理/23MySQL是怎么保证数据不丢的？.pptx
@@ -204,7 +204,7 @@
           <a:p>
             <a:fld id="{A900F2CD-AD8F-46FC-AAAB-A0D218D6826F}" type="datetimeFigureOut">
               <a:rPr lang="zh-CN" altLang="en-US" smtClean="0"/>
-              <a:t>2020/1/20</a:t>
+              <a:t>2021/10/15</a:t>
             </a:fld>
             <a:endParaRPr lang="zh-CN" altLang="en-US"/>
           </a:p>
@@ -1246,7 +1246,7 @@
           <a:p>
             <a:fld id="{E396512D-F96B-4538-B91A-F7EB57A489A0}" type="datetimeFigureOut">
               <a:rPr lang="zh-CN" altLang="en-US" smtClean="0"/>
-              <a:t>2020/1/20</a:t>
+              <a:t>2021/10/15</a:t>
             </a:fld>
             <a:endParaRPr lang="zh-CN" altLang="en-US"/>
           </a:p>
@@ -1521,7 +1521,7 @@
           <a:p>
             <a:fld id="{E396512D-F96B-4538-B91A-F7EB57A489A0}" type="datetimeFigureOut">
               <a:rPr lang="zh-CN" altLang="en-US" smtClean="0"/>
-              <a:t>2020/1/20</a:t>
+              <a:t>2021/10/15</a:t>
             </a:fld>
             <a:endParaRPr lang="zh-CN" altLang="en-US"/>
           </a:p>
@@ -1715,7 +1715,7 @@
           <a:p>
             <a:fld id="{E396512D-F96B-4538-B91A-F7EB57A489A0}" type="datetimeFigureOut">
               <a:rPr lang="zh-CN" altLang="en-US" smtClean="0"/>
-              <a:t>2020/1/20</a:t>
+              <a:t>2021/10/15</a:t>
             </a:fld>
             <a:endParaRPr lang="zh-CN" altLang="en-US"/>
           </a:p>
@@ -1988,7 +1988,7 @@
           <a:p>
             <a:fld id="{E396512D-F96B-4538-B91A-F7EB57A489A0}" type="datetimeFigureOut">
               <a:rPr lang="zh-CN" altLang="en-US" smtClean="0"/>
-              <a:t>2020/1/20</a:t>
+              <a:t>2021/10/15</a:t>
             </a:fld>
             <a:endParaRPr lang="zh-CN" altLang="en-US"/>
           </a:p>
@@ -2329,7 +2329,7 @@
           <a:p>
             <a:fld id="{E396512D-F96B-4538-B91A-F7EB57A489A0}" type="datetimeFigureOut">
               <a:rPr lang="zh-CN" altLang="en-US" smtClean="0"/>
-              <a:t>2020/1/20</a:t>
+              <a:t>2021/10/15</a:t>
             </a:fld>
             <a:endParaRPr lang="zh-CN" altLang="en-US"/>
           </a:p>
@@ -2952,7 +2952,7 @@
           <a:p>
             <a:fld id="{E396512D-F96B-4538-B91A-F7EB57A489A0}" type="datetimeFigureOut">
               <a:rPr lang="zh-CN" altLang="en-US" smtClean="0"/>
-              <a:t>2020/1/20</a:t>
+              <a:t>2021/10/15</a:t>
             </a:fld>
             <a:endParaRPr lang="zh-CN" altLang="en-US"/>
           </a:p>
@@ -3812,7 +3812,7 @@
           <a:p>
             <a:fld id="{E396512D-F96B-4538-B91A-F7EB57A489A0}" type="datetimeFigureOut">
               <a:rPr lang="zh-CN" altLang="en-US" smtClean="0"/>
-              <a:t>2020/1/20</a:t>
+              <a:t>2021/10/15</a:t>
             </a:fld>
             <a:endParaRPr lang="zh-CN" altLang="en-US"/>
           </a:p>
@@ -3982,7 +3982,7 @@
           <a:p>
             <a:fld id="{E396512D-F96B-4538-B91A-F7EB57A489A0}" type="datetimeFigureOut">
               <a:rPr lang="zh-CN" altLang="en-US" smtClean="0"/>
-              <a:t>2020/1/20</a:t>
+              <a:t>2021/10/15</a:t>
             </a:fld>
             <a:endParaRPr lang="zh-CN" altLang="en-US"/>
           </a:p>
@@ -4162,7 +4162,7 @@
           <a:p>
             <a:fld id="{E396512D-F96B-4538-B91A-F7EB57A489A0}" type="datetimeFigureOut">
               <a:rPr lang="zh-CN" altLang="en-US" smtClean="0"/>
-              <a:t>2020/1/20</a:t>
+              <a:t>2021/10/15</a:t>
             </a:fld>
             <a:endParaRPr lang="zh-CN" altLang="en-US"/>
           </a:p>
@@ -4332,7 +4332,7 @@
           <a:p>
             <a:fld id="{E396512D-F96B-4538-B91A-F7EB57A489A0}" type="datetimeFigureOut">
               <a:rPr lang="zh-CN" altLang="en-US" smtClean="0"/>
-              <a:t>2020/1/20</a:t>
+              <a:t>2021/10/15</a:t>
             </a:fld>
             <a:endParaRPr lang="zh-CN" altLang="en-US"/>
           </a:p>
@@ -4579,7 +4579,7 @@
           <a:p>
             <a:fld id="{E396512D-F96B-4538-B91A-F7EB57A489A0}" type="datetimeFigureOut">
               <a:rPr lang="zh-CN" altLang="en-US" smtClean="0"/>
-              <a:t>2020/1/20</a:t>
+              <a:t>2021/10/15</a:t>
             </a:fld>
             <a:endParaRPr lang="zh-CN" altLang="en-US"/>
           </a:p>
@@ -4871,7 +4871,7 @@
           <a:p>
             <a:fld id="{E396512D-F96B-4538-B91A-F7EB57A489A0}" type="datetimeFigureOut">
               <a:rPr lang="zh-CN" altLang="en-US" smtClean="0"/>
-              <a:t>2020/1/20</a:t>
+              <a:t>2021/10/15</a:t>
             </a:fld>
             <a:endParaRPr lang="zh-CN" altLang="en-US"/>
           </a:p>
@@ -5315,7 +5315,7 @@
           <a:p>
             <a:fld id="{E396512D-F96B-4538-B91A-F7EB57A489A0}" type="datetimeFigureOut">
               <a:rPr lang="zh-CN" altLang="en-US" smtClean="0"/>
-              <a:t>2020/1/20</a:t>
+              <a:t>2021/10/15</a:t>
             </a:fld>
             <a:endParaRPr lang="zh-CN" altLang="en-US"/>
           </a:p>
@@ -5433,7 +5433,7 @@
           <a:p>
             <a:fld id="{E396512D-F96B-4538-B91A-F7EB57A489A0}" type="datetimeFigureOut">
               <a:rPr lang="zh-CN" altLang="en-US" smtClean="0"/>
-              <a:t>2020/1/20</a:t>
+              <a:t>2021/10/15</a:t>
             </a:fld>
             <a:endParaRPr lang="zh-CN" altLang="en-US"/>
           </a:p>
@@ -5528,7 +5528,7 @@
           <a:p>
             <a:fld id="{E396512D-F96B-4538-B91A-F7EB57A489A0}" type="datetimeFigureOut">
               <a:rPr lang="zh-CN" altLang="en-US" smtClean="0"/>
-              <a:t>2020/1/20</a:t>
+              <a:t>2021/10/15</a:t>
             </a:fld>
             <a:endParaRPr lang="zh-CN" altLang="en-US"/>
           </a:p>
@@ -5807,7 +5807,7 @@
           <a:p>
             <a:fld id="{E396512D-F96B-4538-B91A-F7EB57A489A0}" type="datetimeFigureOut">
               <a:rPr lang="zh-CN" altLang="en-US" smtClean="0"/>
-              <a:t>2020/1/20</a:t>
+              <a:t>2021/10/15</a:t>
             </a:fld>
             <a:endParaRPr lang="zh-CN" altLang="en-US"/>
           </a:p>
@@ -6082,7 +6082,7 @@
           <a:p>
             <a:fld id="{E396512D-F96B-4538-B91A-F7EB57A489A0}" type="datetimeFigureOut">
               <a:rPr lang="zh-CN" altLang="en-US" smtClean="0"/>
-              <a:t>2020/1/20</a:t>
+              <a:t>2021/10/15</a:t>
             </a:fld>
             <a:endParaRPr lang="zh-CN" altLang="en-US"/>
           </a:p>
@@ -6511,7 +6511,7 @@
           <a:p>
             <a:fld id="{E396512D-F96B-4538-B91A-F7EB57A489A0}" type="datetimeFigureOut">
               <a:rPr lang="zh-CN" altLang="en-US" smtClean="0"/>
-              <a:t>2020/1/20</a:t>
+              <a:t>2021/10/15</a:t>
             </a:fld>
             <a:endParaRPr lang="zh-CN" altLang="en-US"/>
           </a:p>
